--- a/Aula12-Armazenamento Interno com Arquivos/Aula12-Armazenamento Interno com Arquivos.pptx
+++ b/Aula12-Armazenamento Interno com Arquivos/Aula12-Armazenamento Interno com Arquivos.pptx
@@ -36,14 +36,15 @@
       <p:font typeface="Poppins" panose="00000500000000000000" pitchFamily="2" charset="0"/>
       <p:regular r:id="rId19"/>
       <p:bold r:id="rId20"/>
+      <p:italic r:id="rId21"/>
     </p:embeddedFont>
     <p:embeddedFont>
       <p:font typeface="Poppins Bold" panose="00000800000000000000" charset="0"/>
-      <p:regular r:id="rId21"/>
+      <p:regular r:id="rId22"/>
     </p:embeddedFont>
     <p:embeddedFont>
       <p:font typeface="Poppins Ultra-Bold" panose="020B0604020202020204" charset="0"/>
-      <p:regular r:id="rId22"/>
+      <p:regular r:id="rId23"/>
     </p:embeddedFont>
   </p:embeddedFontLst>
   <p:defaultTextStyle>
@@ -3362,7 +3363,7 @@
         <p:spPr>
           <a:xfrm>
             <a:off x="785151" y="7260387"/>
-            <a:ext cx="12616379" cy="1097288"/>
+            <a:ext cx="12616379" cy="2982420"/>
           </a:xfrm>
           <a:prstGeom prst="rect">
             <a:avLst/>
@@ -3413,10 +3414,39 @@
                 </a:solidFill>
                 <a:latin typeface="Lato"/>
               </a:rPr>
-              <a:t>: João Victor, Paulo Vitor e </a:t>
-            </a:r>
-            <a:r>
-              <a:rPr lang="en-US" sz="3200" spc="320" dirty="0" err="1">
+              <a:t>:</a:t>
+            </a:r>
+          </a:p>
+          <a:p>
+            <a:pPr>
+              <a:lnSpc>
+                <a:spcPts val="4900"/>
+              </a:lnSpc>
+            </a:pPr>
+            <a:r>
+              <a:rPr lang="en-US" sz="3200" spc="350">
+                <a:solidFill>
+                  <a:srgbClr val="000000"/>
+                </a:solidFill>
+                <a:latin typeface="Lato"/>
+              </a:rPr>
+              <a:t>Paulo Vitor</a:t>
+            </a:r>
+            <a:endParaRPr lang="en-US" sz="3200" spc="350" dirty="0">
+              <a:solidFill>
+                <a:srgbClr val="000000"/>
+              </a:solidFill>
+              <a:latin typeface="Lato"/>
+            </a:endParaRPr>
+          </a:p>
+          <a:p>
+            <a:pPr>
+              <a:lnSpc>
+                <a:spcPts val="4900"/>
+              </a:lnSpc>
+            </a:pPr>
+            <a:r>
+              <a:rPr lang="en-US" sz="3200" spc="350" dirty="0" err="1">
                 <a:solidFill>
                   <a:srgbClr val="000000"/>
                 </a:solidFill>
@@ -3425,7 +3455,7 @@
               <a:t>Talysson</a:t>
             </a:r>
             <a:r>
-              <a:rPr lang="en-US" sz="3200" spc="320" dirty="0">
+              <a:rPr lang="en-US" sz="3200" spc="350" dirty="0">
                 <a:solidFill>
                   <a:srgbClr val="000000"/>
                 </a:solidFill>
@@ -3433,6 +3463,35 @@
               </a:rPr>
               <a:t> Vasconcelos</a:t>
             </a:r>
+          </a:p>
+          <a:p>
+            <a:pPr>
+              <a:lnSpc>
+                <a:spcPts val="4900"/>
+              </a:lnSpc>
+            </a:pPr>
+            <a:r>
+              <a:rPr lang="en-US" sz="3200" spc="350" dirty="0">
+                <a:solidFill>
+                  <a:srgbClr val="000000"/>
+                </a:solidFill>
+                <a:latin typeface="Lato"/>
+              </a:rPr>
+              <a:t>João Hungria</a:t>
+            </a:r>
+          </a:p>
+          <a:p>
+            <a:pPr>
+              <a:lnSpc>
+                <a:spcPts val="4480"/>
+              </a:lnSpc>
+            </a:pPr>
+            <a:endParaRPr lang="en-US" sz="3200" spc="320" dirty="0">
+              <a:solidFill>
+                <a:srgbClr val="000000"/>
+              </a:solidFill>
+              <a:latin typeface="Lato"/>
+            </a:endParaRPr>
           </a:p>
         </p:txBody>
       </p:sp>
@@ -3647,6 +3706,165 @@
       </p:grpSp>
       <p:sp>
         <p:nvSpPr>
+          <p:cNvPr id="4" name="Freeform 4"/>
+          <p:cNvSpPr/>
+          <p:nvPr/>
+        </p:nvSpPr>
+        <p:spPr>
+          <a:xfrm>
+            <a:off x="1520023" y="3409313"/>
+            <a:ext cx="3247181" cy="6041503"/>
+          </a:xfrm>
+          <a:custGeom>
+            <a:avLst/>
+            <a:gdLst/>
+            <a:ahLst/>
+            <a:cxnLst/>
+            <a:rect l="l" t="t" r="r" b="b"/>
+            <a:pathLst>
+              <a:path w="3247181" h="6041503">
+                <a:moveTo>
+                  <a:pt x="0" y="0"/>
+                </a:moveTo>
+                <a:lnTo>
+                  <a:pt x="3247182" y="0"/>
+                </a:lnTo>
+                <a:lnTo>
+                  <a:pt x="3247182" y="6041503"/>
+                </a:lnTo>
+                <a:lnTo>
+                  <a:pt x="0" y="6041503"/>
+                </a:lnTo>
+                <a:lnTo>
+                  <a:pt x="0" y="0"/>
+                </a:lnTo>
+                <a:close/>
+              </a:path>
+            </a:pathLst>
+          </a:custGeom>
+          <a:blipFill>
+            <a:blip r:embed="rId2"/>
+            <a:stretch>
+              <a:fillRect l="-276" r="-276"/>
+            </a:stretch>
+          </a:blipFill>
+        </p:spPr>
+        <p:txBody>
+          <a:bodyPr/>
+          <a:lstStyle/>
+          <a:p>
+            <a:endParaRPr lang="pt-BR"/>
+          </a:p>
+        </p:txBody>
+      </p:sp>
+      <p:sp>
+        <p:nvSpPr>
+          <p:cNvPr id="5" name="Freeform 5"/>
+          <p:cNvSpPr/>
+          <p:nvPr/>
+        </p:nvSpPr>
+        <p:spPr>
+          <a:xfrm>
+            <a:off x="7500880" y="3457105"/>
+            <a:ext cx="3286241" cy="5993711"/>
+          </a:xfrm>
+          <a:custGeom>
+            <a:avLst/>
+            <a:gdLst/>
+            <a:ahLst/>
+            <a:cxnLst/>
+            <a:rect l="l" t="t" r="r" b="b"/>
+            <a:pathLst>
+              <a:path w="3286241" h="5993711">
+                <a:moveTo>
+                  <a:pt x="0" y="0"/>
+                </a:moveTo>
+                <a:lnTo>
+                  <a:pt x="3286240" y="0"/>
+                </a:lnTo>
+                <a:lnTo>
+                  <a:pt x="3286240" y="5993711"/>
+                </a:lnTo>
+                <a:lnTo>
+                  <a:pt x="0" y="5993711"/>
+                </a:lnTo>
+                <a:lnTo>
+                  <a:pt x="0" y="0"/>
+                </a:lnTo>
+                <a:close/>
+              </a:path>
+            </a:pathLst>
+          </a:custGeom>
+          <a:blipFill>
+            <a:blip r:embed="rId3"/>
+            <a:stretch>
+              <a:fillRect/>
+            </a:stretch>
+          </a:blipFill>
+        </p:spPr>
+        <p:txBody>
+          <a:bodyPr/>
+          <a:lstStyle/>
+          <a:p>
+            <a:endParaRPr lang="pt-BR"/>
+          </a:p>
+        </p:txBody>
+      </p:sp>
+      <p:sp>
+        <p:nvSpPr>
+          <p:cNvPr id="6" name="Freeform 6"/>
+          <p:cNvSpPr/>
+          <p:nvPr/>
+        </p:nvSpPr>
+        <p:spPr>
+          <a:xfrm>
+            <a:off x="13521244" y="3461277"/>
+            <a:ext cx="3275068" cy="5989538"/>
+          </a:xfrm>
+          <a:custGeom>
+            <a:avLst/>
+            <a:gdLst/>
+            <a:ahLst/>
+            <a:cxnLst/>
+            <a:rect l="l" t="t" r="r" b="b"/>
+            <a:pathLst>
+              <a:path w="3275068" h="5989538">
+                <a:moveTo>
+                  <a:pt x="0" y="0"/>
+                </a:moveTo>
+                <a:lnTo>
+                  <a:pt x="3275068" y="0"/>
+                </a:lnTo>
+                <a:lnTo>
+                  <a:pt x="3275068" y="5989539"/>
+                </a:lnTo>
+                <a:lnTo>
+                  <a:pt x="0" y="5989539"/>
+                </a:lnTo>
+                <a:lnTo>
+                  <a:pt x="0" y="0"/>
+                </a:lnTo>
+                <a:close/>
+              </a:path>
+            </a:pathLst>
+          </a:custGeom>
+          <a:blipFill>
+            <a:blip r:embed="rId4"/>
+            <a:stretch>
+              <a:fillRect/>
+            </a:stretch>
+          </a:blipFill>
+        </p:spPr>
+        <p:txBody>
+          <a:bodyPr/>
+          <a:lstStyle/>
+          <a:p>
+            <a:endParaRPr lang="pt-BR"/>
+          </a:p>
+        </p:txBody>
+      </p:sp>
+      <p:sp>
+        <p:nvSpPr>
           <p:cNvPr id="7" name="TextBox 7"/>
           <p:cNvSpPr txBox="1"/>
           <p:nvPr/>
@@ -3723,66 +3941,6 @@
           </a:p>
         </p:txBody>
       </p:sp>
-      <p:pic>
-        <p:nvPicPr>
-          <p:cNvPr id="10" name="Imagem 9">
-            <a:extLst>
-              <a:ext uri="{FF2B5EF4-FFF2-40B4-BE49-F238E27FC236}">
-                <a16:creationId xmlns:a16="http://schemas.microsoft.com/office/drawing/2014/main" id="{452CA9F2-14C8-26C1-48CF-A8D8A8C27D2F}"/>
-              </a:ext>
-            </a:extLst>
-          </p:cNvPr>
-          <p:cNvPicPr>
-            <a:picLocks noChangeAspect="1"/>
-          </p:cNvPicPr>
-          <p:nvPr/>
-        </p:nvPicPr>
-        <p:blipFill>
-          <a:blip r:embed="rId2"/>
-          <a:stretch>
-            <a:fillRect/>
-          </a:stretch>
-        </p:blipFill>
-        <p:spPr>
-          <a:xfrm>
-            <a:off x="2286000" y="3998936"/>
-            <a:ext cx="5842519" cy="4910047"/>
-          </a:xfrm>
-          <a:prstGeom prst="rect">
-            <a:avLst/>
-          </a:prstGeom>
-        </p:spPr>
-      </p:pic>
-      <p:pic>
-        <p:nvPicPr>
-          <p:cNvPr id="12" name="Imagem 11">
-            <a:extLst>
-              <a:ext uri="{FF2B5EF4-FFF2-40B4-BE49-F238E27FC236}">
-                <a16:creationId xmlns:a16="http://schemas.microsoft.com/office/drawing/2014/main" id="{C2BB293A-966E-71B2-028C-DF5DE9134879}"/>
-              </a:ext>
-            </a:extLst>
-          </p:cNvPr>
-          <p:cNvPicPr>
-            <a:picLocks noChangeAspect="1"/>
-          </p:cNvPicPr>
-          <p:nvPr/>
-        </p:nvPicPr>
-        <p:blipFill>
-          <a:blip r:embed="rId3"/>
-          <a:stretch>
-            <a:fillRect/>
-          </a:stretch>
-        </p:blipFill>
-        <p:spPr>
-          <a:xfrm>
-            <a:off x="9144000" y="3998935"/>
-            <a:ext cx="5815292" cy="4910047"/>
-          </a:xfrm>
-          <a:prstGeom prst="rect">
-            <a:avLst/>
-          </a:prstGeom>
-        </p:spPr>
-      </p:pic>
     </p:spTree>
   </p:cSld>
   <p:clrMapOvr>
@@ -3872,6 +4030,59 @@
       </p:grpSp>
       <p:sp>
         <p:nvSpPr>
+          <p:cNvPr id="4" name="Freeform 4"/>
+          <p:cNvSpPr/>
+          <p:nvPr/>
+        </p:nvSpPr>
+        <p:spPr>
+          <a:xfrm>
+            <a:off x="3023664" y="3602559"/>
+            <a:ext cx="12240671" cy="5995431"/>
+          </a:xfrm>
+          <a:custGeom>
+            <a:avLst/>
+            <a:gdLst/>
+            <a:ahLst/>
+            <a:cxnLst/>
+            <a:rect l="l" t="t" r="r" b="b"/>
+            <a:pathLst>
+              <a:path w="12240671" h="5995431">
+                <a:moveTo>
+                  <a:pt x="0" y="0"/>
+                </a:moveTo>
+                <a:lnTo>
+                  <a:pt x="12240672" y="0"/>
+                </a:lnTo>
+                <a:lnTo>
+                  <a:pt x="12240672" y="5995431"/>
+                </a:lnTo>
+                <a:lnTo>
+                  <a:pt x="0" y="5995431"/>
+                </a:lnTo>
+                <a:lnTo>
+                  <a:pt x="0" y="0"/>
+                </a:lnTo>
+                <a:close/>
+              </a:path>
+            </a:pathLst>
+          </a:custGeom>
+          <a:blipFill>
+            <a:blip r:embed="rId2"/>
+            <a:stretch>
+              <a:fillRect/>
+            </a:stretch>
+          </a:blipFill>
+        </p:spPr>
+        <p:txBody>
+          <a:bodyPr/>
+          <a:lstStyle/>
+          <a:p>
+            <a:endParaRPr lang="pt-BR"/>
+          </a:p>
+        </p:txBody>
+      </p:sp>
+      <p:sp>
+        <p:nvSpPr>
           <p:cNvPr id="5" name="TextBox 5"/>
           <p:cNvSpPr txBox="1"/>
           <p:nvPr/>
@@ -3966,36 +4177,6 @@
           </a:p>
         </p:txBody>
       </p:sp>
-      <p:pic>
-        <p:nvPicPr>
-          <p:cNvPr id="8" name="Imagem 7">
-            <a:extLst>
-              <a:ext uri="{FF2B5EF4-FFF2-40B4-BE49-F238E27FC236}">
-                <a16:creationId xmlns:a16="http://schemas.microsoft.com/office/drawing/2014/main" id="{5D2ED90B-07FF-85CF-3342-3E3C32A91E6E}"/>
-              </a:ext>
-            </a:extLst>
-          </p:cNvPr>
-          <p:cNvPicPr>
-            <a:picLocks noChangeAspect="1"/>
-          </p:cNvPicPr>
-          <p:nvPr/>
-        </p:nvPicPr>
-        <p:blipFill>
-          <a:blip r:embed="rId2"/>
-          <a:stretch>
-            <a:fillRect/>
-          </a:stretch>
-        </p:blipFill>
-        <p:spPr>
-          <a:xfrm>
-            <a:off x="4114800" y="4457700"/>
-            <a:ext cx="9431121" cy="4143592"/>
-          </a:xfrm>
-          <a:prstGeom prst="rect">
-            <a:avLst/>
-          </a:prstGeom>
-        </p:spPr>
-      </p:pic>
     </p:spTree>
   </p:cSld>
   <p:clrMapOvr>
@@ -4085,6 +4266,59 @@
       </p:grpSp>
       <p:sp>
         <p:nvSpPr>
+          <p:cNvPr id="4" name="Freeform 4"/>
+          <p:cNvSpPr/>
+          <p:nvPr/>
+        </p:nvSpPr>
+        <p:spPr>
+          <a:xfrm>
+            <a:off x="3251243" y="4643592"/>
+            <a:ext cx="12315165" cy="3890878"/>
+          </a:xfrm>
+          <a:custGeom>
+            <a:avLst/>
+            <a:gdLst/>
+            <a:ahLst/>
+            <a:cxnLst/>
+            <a:rect l="l" t="t" r="r" b="b"/>
+            <a:pathLst>
+              <a:path w="12315165" h="3890878">
+                <a:moveTo>
+                  <a:pt x="0" y="0"/>
+                </a:moveTo>
+                <a:lnTo>
+                  <a:pt x="12315165" y="0"/>
+                </a:lnTo>
+                <a:lnTo>
+                  <a:pt x="12315165" y="3890879"/>
+                </a:lnTo>
+                <a:lnTo>
+                  <a:pt x="0" y="3890879"/>
+                </a:lnTo>
+                <a:lnTo>
+                  <a:pt x="0" y="0"/>
+                </a:lnTo>
+                <a:close/>
+              </a:path>
+            </a:pathLst>
+          </a:custGeom>
+          <a:blipFill>
+            <a:blip r:embed="rId2"/>
+            <a:stretch>
+              <a:fillRect/>
+            </a:stretch>
+          </a:blipFill>
+        </p:spPr>
+        <p:txBody>
+          <a:bodyPr/>
+          <a:lstStyle/>
+          <a:p>
+            <a:endParaRPr lang="pt-BR"/>
+          </a:p>
+        </p:txBody>
+      </p:sp>
+      <p:sp>
+        <p:nvSpPr>
           <p:cNvPr id="5" name="TextBox 5"/>
           <p:cNvSpPr txBox="1"/>
           <p:nvPr/>
@@ -4179,36 +4413,6 @@
           </a:p>
         </p:txBody>
       </p:sp>
-      <p:pic>
-        <p:nvPicPr>
-          <p:cNvPr id="8" name="Imagem 7">
-            <a:extLst>
-              <a:ext uri="{FF2B5EF4-FFF2-40B4-BE49-F238E27FC236}">
-                <a16:creationId xmlns:a16="http://schemas.microsoft.com/office/drawing/2014/main" id="{FB3E01F4-8DFA-056C-1769-46F858C8BA63}"/>
-              </a:ext>
-            </a:extLst>
-          </p:cNvPr>
-          <p:cNvPicPr>
-            <a:picLocks noChangeAspect="1"/>
-          </p:cNvPicPr>
-          <p:nvPr/>
-        </p:nvPicPr>
-        <p:blipFill>
-          <a:blip r:embed="rId2"/>
-          <a:stretch>
-            <a:fillRect/>
-          </a:stretch>
-        </p:blipFill>
-        <p:spPr>
-          <a:xfrm>
-            <a:off x="3707762" y="5110162"/>
-            <a:ext cx="10872476" cy="2576628"/>
-          </a:xfrm>
-          <a:prstGeom prst="rect">
-            <a:avLst/>
-          </a:prstGeom>
-        </p:spPr>
-      </p:pic>
     </p:spTree>
   </p:cSld>
   <p:clrMapOvr>
@@ -4497,6 +4701,59 @@
           </p:txBody>
         </p:sp>
       </p:grpSp>
+      <p:sp>
+        <p:nvSpPr>
+          <p:cNvPr id="4" name="Freeform 4"/>
+          <p:cNvSpPr/>
+          <p:nvPr/>
+        </p:nvSpPr>
+        <p:spPr>
+          <a:xfrm>
+            <a:off x="3768095" y="845216"/>
+            <a:ext cx="8246546" cy="8596569"/>
+          </a:xfrm>
+          <a:custGeom>
+            <a:avLst/>
+            <a:gdLst/>
+            <a:ahLst/>
+            <a:cxnLst/>
+            <a:rect l="l" t="t" r="r" b="b"/>
+            <a:pathLst>
+              <a:path w="8246546" h="8596569">
+                <a:moveTo>
+                  <a:pt x="0" y="0"/>
+                </a:moveTo>
+                <a:lnTo>
+                  <a:pt x="8246545" y="0"/>
+                </a:lnTo>
+                <a:lnTo>
+                  <a:pt x="8246545" y="8596568"/>
+                </a:lnTo>
+                <a:lnTo>
+                  <a:pt x="0" y="8596568"/>
+                </a:lnTo>
+                <a:lnTo>
+                  <a:pt x="0" y="0"/>
+                </a:lnTo>
+                <a:close/>
+              </a:path>
+            </a:pathLst>
+          </a:custGeom>
+          <a:blipFill>
+            <a:blip r:embed="rId2"/>
+            <a:stretch>
+              <a:fillRect/>
+            </a:stretch>
+          </a:blipFill>
+        </p:spPr>
+        <p:txBody>
+          <a:bodyPr/>
+          <a:lstStyle/>
+          <a:p>
+            <a:endParaRPr lang="pt-BR"/>
+          </a:p>
+        </p:txBody>
+      </p:sp>
       <p:grpSp>
         <p:nvGrpSpPr>
           <p:cNvPr id="5" name="Group 5"/>
@@ -4640,36 +4897,6 @@
           </p:txBody>
         </p:sp>
       </p:grpSp>
-      <p:pic>
-        <p:nvPicPr>
-          <p:cNvPr id="10" name="Imagem 9">
-            <a:extLst>
-              <a:ext uri="{FF2B5EF4-FFF2-40B4-BE49-F238E27FC236}">
-                <a16:creationId xmlns:a16="http://schemas.microsoft.com/office/drawing/2014/main" id="{E9C0CDDD-4DBF-F199-F76B-BD2C35EE72A6}"/>
-              </a:ext>
-            </a:extLst>
-          </p:cNvPr>
-          <p:cNvPicPr>
-            <a:picLocks noChangeAspect="1"/>
-          </p:cNvPicPr>
-          <p:nvPr/>
-        </p:nvPicPr>
-        <p:blipFill>
-          <a:blip r:embed="rId2"/>
-          <a:stretch>
-            <a:fillRect/>
-          </a:stretch>
-        </p:blipFill>
-        <p:spPr>
-          <a:xfrm>
-            <a:off x="2971800" y="1511597"/>
-            <a:ext cx="7467600" cy="7263805"/>
-          </a:xfrm>
-          <a:prstGeom prst="rect">
-            <a:avLst/>
-          </a:prstGeom>
-        </p:spPr>
-      </p:pic>
     </p:spTree>
   </p:cSld>
   <p:clrMapOvr>
@@ -7245,6 +7472,59 @@
       </p:grpSp>
       <p:sp>
         <p:nvSpPr>
+          <p:cNvPr id="4" name="Freeform 4"/>
+          <p:cNvSpPr/>
+          <p:nvPr/>
+        </p:nvSpPr>
+        <p:spPr>
+          <a:xfrm>
+            <a:off x="3983398" y="2305452"/>
+            <a:ext cx="10321204" cy="6786545"/>
+          </a:xfrm>
+          <a:custGeom>
+            <a:avLst/>
+            <a:gdLst/>
+            <a:ahLst/>
+            <a:cxnLst/>
+            <a:rect l="l" t="t" r="r" b="b"/>
+            <a:pathLst>
+              <a:path w="10321204" h="6786545">
+                <a:moveTo>
+                  <a:pt x="0" y="0"/>
+                </a:moveTo>
+                <a:lnTo>
+                  <a:pt x="10321204" y="0"/>
+                </a:lnTo>
+                <a:lnTo>
+                  <a:pt x="10321204" y="6786545"/>
+                </a:lnTo>
+                <a:lnTo>
+                  <a:pt x="0" y="6786545"/>
+                </a:lnTo>
+                <a:lnTo>
+                  <a:pt x="0" y="0"/>
+                </a:lnTo>
+                <a:close/>
+              </a:path>
+            </a:pathLst>
+          </a:custGeom>
+          <a:blipFill>
+            <a:blip r:embed="rId2"/>
+            <a:stretch>
+              <a:fillRect/>
+            </a:stretch>
+          </a:blipFill>
+        </p:spPr>
+        <p:txBody>
+          <a:bodyPr/>
+          <a:lstStyle/>
+          <a:p>
+            <a:endParaRPr lang="pt-BR"/>
+          </a:p>
+        </p:txBody>
+      </p:sp>
+      <p:sp>
+        <p:nvSpPr>
           <p:cNvPr id="5" name="TextBox 5"/>
           <p:cNvSpPr txBox="1"/>
           <p:nvPr/>
@@ -7281,36 +7561,6 @@
           </a:p>
         </p:txBody>
       </p:sp>
-      <p:pic>
-        <p:nvPicPr>
-          <p:cNvPr id="7" name="Imagem 6">
-            <a:extLst>
-              <a:ext uri="{FF2B5EF4-FFF2-40B4-BE49-F238E27FC236}">
-                <a16:creationId xmlns:a16="http://schemas.microsoft.com/office/drawing/2014/main" id="{55FEA146-0027-3F8E-E952-B3D816FA147C}"/>
-              </a:ext>
-            </a:extLst>
-          </p:cNvPr>
-          <p:cNvPicPr>
-            <a:picLocks noChangeAspect="1"/>
-          </p:cNvPicPr>
-          <p:nvPr/>
-        </p:nvPicPr>
-        <p:blipFill>
-          <a:blip r:embed="rId2"/>
-          <a:stretch>
-            <a:fillRect/>
-          </a:stretch>
-        </p:blipFill>
-        <p:spPr>
-          <a:xfrm>
-            <a:off x="3453286" y="3009900"/>
-            <a:ext cx="11381427" cy="5053229"/>
-          </a:xfrm>
-          <a:prstGeom prst="rect">
-            <a:avLst/>
-          </a:prstGeom>
-        </p:spPr>
-      </p:pic>
     </p:spTree>
   </p:cSld>
   <p:clrMapOvr>
@@ -7673,6 +7923,59 @@
       </p:grpSp>
       <p:sp>
         <p:nvSpPr>
+          <p:cNvPr id="4" name="Freeform 4"/>
+          <p:cNvSpPr/>
+          <p:nvPr/>
+        </p:nvSpPr>
+        <p:spPr>
+          <a:xfrm>
+            <a:off x="3894791" y="2121630"/>
+            <a:ext cx="10498418" cy="7136670"/>
+          </a:xfrm>
+          <a:custGeom>
+            <a:avLst/>
+            <a:gdLst/>
+            <a:ahLst/>
+            <a:cxnLst/>
+            <a:rect l="l" t="t" r="r" b="b"/>
+            <a:pathLst>
+              <a:path w="10498418" h="7136670">
+                <a:moveTo>
+                  <a:pt x="0" y="0"/>
+                </a:moveTo>
+                <a:lnTo>
+                  <a:pt x="10498418" y="0"/>
+                </a:lnTo>
+                <a:lnTo>
+                  <a:pt x="10498418" y="7136670"/>
+                </a:lnTo>
+                <a:lnTo>
+                  <a:pt x="0" y="7136670"/>
+                </a:lnTo>
+                <a:lnTo>
+                  <a:pt x="0" y="0"/>
+                </a:lnTo>
+                <a:close/>
+              </a:path>
+            </a:pathLst>
+          </a:custGeom>
+          <a:blipFill>
+            <a:blip r:embed="rId2"/>
+            <a:stretch>
+              <a:fillRect/>
+            </a:stretch>
+          </a:blipFill>
+        </p:spPr>
+        <p:txBody>
+          <a:bodyPr/>
+          <a:lstStyle/>
+          <a:p>
+            <a:endParaRPr lang="pt-BR"/>
+          </a:p>
+        </p:txBody>
+      </p:sp>
+      <p:sp>
+        <p:nvSpPr>
           <p:cNvPr id="5" name="TextBox 5"/>
           <p:cNvSpPr txBox="1"/>
           <p:nvPr/>
@@ -7709,36 +8012,6 @@
           </a:p>
         </p:txBody>
       </p:sp>
-      <p:pic>
-        <p:nvPicPr>
-          <p:cNvPr id="7" name="Imagem 6">
-            <a:extLst>
-              <a:ext uri="{FF2B5EF4-FFF2-40B4-BE49-F238E27FC236}">
-                <a16:creationId xmlns:a16="http://schemas.microsoft.com/office/drawing/2014/main" id="{2CE69BFB-18A6-84C9-419A-BD4151F9EB50}"/>
-              </a:ext>
-            </a:extLst>
-          </p:cNvPr>
-          <p:cNvPicPr>
-            <a:picLocks noChangeAspect="1"/>
-          </p:cNvPicPr>
-          <p:nvPr/>
-        </p:nvPicPr>
-        <p:blipFill>
-          <a:blip r:embed="rId2"/>
-          <a:stretch>
-            <a:fillRect/>
-          </a:stretch>
-        </p:blipFill>
-        <p:spPr>
-          <a:xfrm>
-            <a:off x="3238500" y="5143500"/>
-            <a:ext cx="11811000" cy="2355117"/>
-          </a:xfrm>
-          <a:prstGeom prst="rect">
-            <a:avLst/>
-          </a:prstGeom>
-        </p:spPr>
-      </p:pic>
     </p:spTree>
   </p:cSld>
   <p:clrMapOvr>

--- a/Aula12-Armazenamento Interno com Arquivos/Aula12-Armazenamento Interno com Arquivos.pptx
+++ b/Aula12-Armazenamento Interno com Arquivos/Aula12-Armazenamento Interno com Arquivos.pptx
@@ -36,15 +36,14 @@
       <p:font typeface="Poppins" panose="00000500000000000000" pitchFamily="2" charset="0"/>
       <p:regular r:id="rId19"/>
       <p:bold r:id="rId20"/>
-      <p:italic r:id="rId21"/>
     </p:embeddedFont>
     <p:embeddedFont>
       <p:font typeface="Poppins Bold" panose="00000800000000000000" charset="0"/>
-      <p:regular r:id="rId22"/>
+      <p:regular r:id="rId21"/>
     </p:embeddedFont>
     <p:embeddedFont>
       <p:font typeface="Poppins Ultra-Bold" panose="020B0604020202020204" charset="0"/>
-      <p:regular r:id="rId23"/>
+      <p:regular r:id="rId22"/>
     </p:embeddedFont>
   </p:embeddedFontLst>
   <p:defaultTextStyle>
@@ -3363,7 +3362,7 @@
         <p:spPr>
           <a:xfrm>
             <a:off x="785151" y="7260387"/>
-            <a:ext cx="12616379" cy="2982420"/>
+            <a:ext cx="12616379" cy="1097288"/>
           </a:xfrm>
           <a:prstGeom prst="rect">
             <a:avLst/>
@@ -3414,39 +3413,10 @@
                 </a:solidFill>
                 <a:latin typeface="Lato"/>
               </a:rPr>
-              <a:t>:</a:t>
-            </a:r>
-          </a:p>
-          <a:p>
-            <a:pPr>
-              <a:lnSpc>
-                <a:spcPts val="4900"/>
-              </a:lnSpc>
-            </a:pPr>
-            <a:r>
-              <a:rPr lang="en-US" sz="3200" spc="350">
-                <a:solidFill>
-                  <a:srgbClr val="000000"/>
-                </a:solidFill>
-                <a:latin typeface="Lato"/>
-              </a:rPr>
-              <a:t>Paulo Vitor</a:t>
-            </a:r>
-            <a:endParaRPr lang="en-US" sz="3200" spc="350" dirty="0">
-              <a:solidFill>
-                <a:srgbClr val="000000"/>
-              </a:solidFill>
-              <a:latin typeface="Lato"/>
-            </a:endParaRPr>
-          </a:p>
-          <a:p>
-            <a:pPr>
-              <a:lnSpc>
-                <a:spcPts val="4900"/>
-              </a:lnSpc>
-            </a:pPr>
-            <a:r>
-              <a:rPr lang="en-US" sz="3200" spc="350" dirty="0" err="1">
+              <a:t>: João Victor, Paulo Vitor e </a:t>
+            </a:r>
+            <a:r>
+              <a:rPr lang="en-US" sz="3200" spc="320" dirty="0" err="1">
                 <a:solidFill>
                   <a:srgbClr val="000000"/>
                 </a:solidFill>
@@ -3455,7 +3425,7 @@
               <a:t>Talysson</a:t>
             </a:r>
             <a:r>
-              <a:rPr lang="en-US" sz="3200" spc="350" dirty="0">
+              <a:rPr lang="en-US" sz="3200" spc="320" dirty="0">
                 <a:solidFill>
                   <a:srgbClr val="000000"/>
                 </a:solidFill>
@@ -3463,35 +3433,6 @@
               </a:rPr>
               <a:t> Vasconcelos</a:t>
             </a:r>
-          </a:p>
-          <a:p>
-            <a:pPr>
-              <a:lnSpc>
-                <a:spcPts val="4900"/>
-              </a:lnSpc>
-            </a:pPr>
-            <a:r>
-              <a:rPr lang="en-US" sz="3200" spc="350" dirty="0">
-                <a:solidFill>
-                  <a:srgbClr val="000000"/>
-                </a:solidFill>
-                <a:latin typeface="Lato"/>
-              </a:rPr>
-              <a:t>João Hungria</a:t>
-            </a:r>
-          </a:p>
-          <a:p>
-            <a:pPr>
-              <a:lnSpc>
-                <a:spcPts val="4480"/>
-              </a:lnSpc>
-            </a:pPr>
-            <a:endParaRPr lang="en-US" sz="3200" spc="320" dirty="0">
-              <a:solidFill>
-                <a:srgbClr val="000000"/>
-              </a:solidFill>
-              <a:latin typeface="Lato"/>
-            </a:endParaRPr>
           </a:p>
         </p:txBody>
       </p:sp>
@@ -3706,165 +3647,6 @@
       </p:grpSp>
       <p:sp>
         <p:nvSpPr>
-          <p:cNvPr id="4" name="Freeform 4"/>
-          <p:cNvSpPr/>
-          <p:nvPr/>
-        </p:nvSpPr>
-        <p:spPr>
-          <a:xfrm>
-            <a:off x="1520023" y="3409313"/>
-            <a:ext cx="3247181" cy="6041503"/>
-          </a:xfrm>
-          <a:custGeom>
-            <a:avLst/>
-            <a:gdLst/>
-            <a:ahLst/>
-            <a:cxnLst/>
-            <a:rect l="l" t="t" r="r" b="b"/>
-            <a:pathLst>
-              <a:path w="3247181" h="6041503">
-                <a:moveTo>
-                  <a:pt x="0" y="0"/>
-                </a:moveTo>
-                <a:lnTo>
-                  <a:pt x="3247182" y="0"/>
-                </a:lnTo>
-                <a:lnTo>
-                  <a:pt x="3247182" y="6041503"/>
-                </a:lnTo>
-                <a:lnTo>
-                  <a:pt x="0" y="6041503"/>
-                </a:lnTo>
-                <a:lnTo>
-                  <a:pt x="0" y="0"/>
-                </a:lnTo>
-                <a:close/>
-              </a:path>
-            </a:pathLst>
-          </a:custGeom>
-          <a:blipFill>
-            <a:blip r:embed="rId2"/>
-            <a:stretch>
-              <a:fillRect l="-276" r="-276"/>
-            </a:stretch>
-          </a:blipFill>
-        </p:spPr>
-        <p:txBody>
-          <a:bodyPr/>
-          <a:lstStyle/>
-          <a:p>
-            <a:endParaRPr lang="pt-BR"/>
-          </a:p>
-        </p:txBody>
-      </p:sp>
-      <p:sp>
-        <p:nvSpPr>
-          <p:cNvPr id="5" name="Freeform 5"/>
-          <p:cNvSpPr/>
-          <p:nvPr/>
-        </p:nvSpPr>
-        <p:spPr>
-          <a:xfrm>
-            <a:off x="7500880" y="3457105"/>
-            <a:ext cx="3286241" cy="5993711"/>
-          </a:xfrm>
-          <a:custGeom>
-            <a:avLst/>
-            <a:gdLst/>
-            <a:ahLst/>
-            <a:cxnLst/>
-            <a:rect l="l" t="t" r="r" b="b"/>
-            <a:pathLst>
-              <a:path w="3286241" h="5993711">
-                <a:moveTo>
-                  <a:pt x="0" y="0"/>
-                </a:moveTo>
-                <a:lnTo>
-                  <a:pt x="3286240" y="0"/>
-                </a:lnTo>
-                <a:lnTo>
-                  <a:pt x="3286240" y="5993711"/>
-                </a:lnTo>
-                <a:lnTo>
-                  <a:pt x="0" y="5993711"/>
-                </a:lnTo>
-                <a:lnTo>
-                  <a:pt x="0" y="0"/>
-                </a:lnTo>
-                <a:close/>
-              </a:path>
-            </a:pathLst>
-          </a:custGeom>
-          <a:blipFill>
-            <a:blip r:embed="rId3"/>
-            <a:stretch>
-              <a:fillRect/>
-            </a:stretch>
-          </a:blipFill>
-        </p:spPr>
-        <p:txBody>
-          <a:bodyPr/>
-          <a:lstStyle/>
-          <a:p>
-            <a:endParaRPr lang="pt-BR"/>
-          </a:p>
-        </p:txBody>
-      </p:sp>
-      <p:sp>
-        <p:nvSpPr>
-          <p:cNvPr id="6" name="Freeform 6"/>
-          <p:cNvSpPr/>
-          <p:nvPr/>
-        </p:nvSpPr>
-        <p:spPr>
-          <a:xfrm>
-            <a:off x="13521244" y="3461277"/>
-            <a:ext cx="3275068" cy="5989538"/>
-          </a:xfrm>
-          <a:custGeom>
-            <a:avLst/>
-            <a:gdLst/>
-            <a:ahLst/>
-            <a:cxnLst/>
-            <a:rect l="l" t="t" r="r" b="b"/>
-            <a:pathLst>
-              <a:path w="3275068" h="5989538">
-                <a:moveTo>
-                  <a:pt x="0" y="0"/>
-                </a:moveTo>
-                <a:lnTo>
-                  <a:pt x="3275068" y="0"/>
-                </a:lnTo>
-                <a:lnTo>
-                  <a:pt x="3275068" y="5989539"/>
-                </a:lnTo>
-                <a:lnTo>
-                  <a:pt x="0" y="5989539"/>
-                </a:lnTo>
-                <a:lnTo>
-                  <a:pt x="0" y="0"/>
-                </a:lnTo>
-                <a:close/>
-              </a:path>
-            </a:pathLst>
-          </a:custGeom>
-          <a:blipFill>
-            <a:blip r:embed="rId4"/>
-            <a:stretch>
-              <a:fillRect/>
-            </a:stretch>
-          </a:blipFill>
-        </p:spPr>
-        <p:txBody>
-          <a:bodyPr/>
-          <a:lstStyle/>
-          <a:p>
-            <a:endParaRPr lang="pt-BR"/>
-          </a:p>
-        </p:txBody>
-      </p:sp>
-      <p:sp>
-        <p:nvSpPr>
           <p:cNvPr id="7" name="TextBox 7"/>
           <p:cNvSpPr txBox="1"/>
           <p:nvPr/>
@@ -3941,6 +3723,66 @@
           </a:p>
         </p:txBody>
       </p:sp>
+      <p:pic>
+        <p:nvPicPr>
+          <p:cNvPr id="10" name="Imagem 9">
+            <a:extLst>
+              <a:ext uri="{FF2B5EF4-FFF2-40B4-BE49-F238E27FC236}">
+                <a16:creationId xmlns:a16="http://schemas.microsoft.com/office/drawing/2014/main" id="{452CA9F2-14C8-26C1-48CF-A8D8A8C27D2F}"/>
+              </a:ext>
+            </a:extLst>
+          </p:cNvPr>
+          <p:cNvPicPr>
+            <a:picLocks noChangeAspect="1"/>
+          </p:cNvPicPr>
+          <p:nvPr/>
+        </p:nvPicPr>
+        <p:blipFill>
+          <a:blip r:embed="rId2"/>
+          <a:stretch>
+            <a:fillRect/>
+          </a:stretch>
+        </p:blipFill>
+        <p:spPr>
+          <a:xfrm>
+            <a:off x="2286000" y="3998936"/>
+            <a:ext cx="5842519" cy="4910047"/>
+          </a:xfrm>
+          <a:prstGeom prst="rect">
+            <a:avLst/>
+          </a:prstGeom>
+        </p:spPr>
+      </p:pic>
+      <p:pic>
+        <p:nvPicPr>
+          <p:cNvPr id="12" name="Imagem 11">
+            <a:extLst>
+              <a:ext uri="{FF2B5EF4-FFF2-40B4-BE49-F238E27FC236}">
+                <a16:creationId xmlns:a16="http://schemas.microsoft.com/office/drawing/2014/main" id="{C2BB293A-966E-71B2-028C-DF5DE9134879}"/>
+              </a:ext>
+            </a:extLst>
+          </p:cNvPr>
+          <p:cNvPicPr>
+            <a:picLocks noChangeAspect="1"/>
+          </p:cNvPicPr>
+          <p:nvPr/>
+        </p:nvPicPr>
+        <p:blipFill>
+          <a:blip r:embed="rId3"/>
+          <a:stretch>
+            <a:fillRect/>
+          </a:stretch>
+        </p:blipFill>
+        <p:spPr>
+          <a:xfrm>
+            <a:off x="9144000" y="3998935"/>
+            <a:ext cx="5815292" cy="4910047"/>
+          </a:xfrm>
+          <a:prstGeom prst="rect">
+            <a:avLst/>
+          </a:prstGeom>
+        </p:spPr>
+      </p:pic>
     </p:spTree>
   </p:cSld>
   <p:clrMapOvr>
@@ -4030,59 +3872,6 @@
       </p:grpSp>
       <p:sp>
         <p:nvSpPr>
-          <p:cNvPr id="4" name="Freeform 4"/>
-          <p:cNvSpPr/>
-          <p:nvPr/>
-        </p:nvSpPr>
-        <p:spPr>
-          <a:xfrm>
-            <a:off x="3023664" y="3602559"/>
-            <a:ext cx="12240671" cy="5995431"/>
-          </a:xfrm>
-          <a:custGeom>
-            <a:avLst/>
-            <a:gdLst/>
-            <a:ahLst/>
-            <a:cxnLst/>
-            <a:rect l="l" t="t" r="r" b="b"/>
-            <a:pathLst>
-              <a:path w="12240671" h="5995431">
-                <a:moveTo>
-                  <a:pt x="0" y="0"/>
-                </a:moveTo>
-                <a:lnTo>
-                  <a:pt x="12240672" y="0"/>
-                </a:lnTo>
-                <a:lnTo>
-                  <a:pt x="12240672" y="5995431"/>
-                </a:lnTo>
-                <a:lnTo>
-                  <a:pt x="0" y="5995431"/>
-                </a:lnTo>
-                <a:lnTo>
-                  <a:pt x="0" y="0"/>
-                </a:lnTo>
-                <a:close/>
-              </a:path>
-            </a:pathLst>
-          </a:custGeom>
-          <a:blipFill>
-            <a:blip r:embed="rId2"/>
-            <a:stretch>
-              <a:fillRect/>
-            </a:stretch>
-          </a:blipFill>
-        </p:spPr>
-        <p:txBody>
-          <a:bodyPr/>
-          <a:lstStyle/>
-          <a:p>
-            <a:endParaRPr lang="pt-BR"/>
-          </a:p>
-        </p:txBody>
-      </p:sp>
-      <p:sp>
-        <p:nvSpPr>
           <p:cNvPr id="5" name="TextBox 5"/>
           <p:cNvSpPr txBox="1"/>
           <p:nvPr/>
@@ -4177,6 +3966,36 @@
           </a:p>
         </p:txBody>
       </p:sp>
+      <p:pic>
+        <p:nvPicPr>
+          <p:cNvPr id="8" name="Imagem 7">
+            <a:extLst>
+              <a:ext uri="{FF2B5EF4-FFF2-40B4-BE49-F238E27FC236}">
+                <a16:creationId xmlns:a16="http://schemas.microsoft.com/office/drawing/2014/main" id="{5D2ED90B-07FF-85CF-3342-3E3C32A91E6E}"/>
+              </a:ext>
+            </a:extLst>
+          </p:cNvPr>
+          <p:cNvPicPr>
+            <a:picLocks noChangeAspect="1"/>
+          </p:cNvPicPr>
+          <p:nvPr/>
+        </p:nvPicPr>
+        <p:blipFill>
+          <a:blip r:embed="rId2"/>
+          <a:stretch>
+            <a:fillRect/>
+          </a:stretch>
+        </p:blipFill>
+        <p:spPr>
+          <a:xfrm>
+            <a:off x="4114800" y="4457700"/>
+            <a:ext cx="9431121" cy="4143592"/>
+          </a:xfrm>
+          <a:prstGeom prst="rect">
+            <a:avLst/>
+          </a:prstGeom>
+        </p:spPr>
+      </p:pic>
     </p:spTree>
   </p:cSld>
   <p:clrMapOvr>
@@ -4266,59 +4085,6 @@
       </p:grpSp>
       <p:sp>
         <p:nvSpPr>
-          <p:cNvPr id="4" name="Freeform 4"/>
-          <p:cNvSpPr/>
-          <p:nvPr/>
-        </p:nvSpPr>
-        <p:spPr>
-          <a:xfrm>
-            <a:off x="3251243" y="4643592"/>
-            <a:ext cx="12315165" cy="3890878"/>
-          </a:xfrm>
-          <a:custGeom>
-            <a:avLst/>
-            <a:gdLst/>
-            <a:ahLst/>
-            <a:cxnLst/>
-            <a:rect l="l" t="t" r="r" b="b"/>
-            <a:pathLst>
-              <a:path w="12315165" h="3890878">
-                <a:moveTo>
-                  <a:pt x="0" y="0"/>
-                </a:moveTo>
-                <a:lnTo>
-                  <a:pt x="12315165" y="0"/>
-                </a:lnTo>
-                <a:lnTo>
-                  <a:pt x="12315165" y="3890879"/>
-                </a:lnTo>
-                <a:lnTo>
-                  <a:pt x="0" y="3890879"/>
-                </a:lnTo>
-                <a:lnTo>
-                  <a:pt x="0" y="0"/>
-                </a:lnTo>
-                <a:close/>
-              </a:path>
-            </a:pathLst>
-          </a:custGeom>
-          <a:blipFill>
-            <a:blip r:embed="rId2"/>
-            <a:stretch>
-              <a:fillRect/>
-            </a:stretch>
-          </a:blipFill>
-        </p:spPr>
-        <p:txBody>
-          <a:bodyPr/>
-          <a:lstStyle/>
-          <a:p>
-            <a:endParaRPr lang="pt-BR"/>
-          </a:p>
-        </p:txBody>
-      </p:sp>
-      <p:sp>
-        <p:nvSpPr>
           <p:cNvPr id="5" name="TextBox 5"/>
           <p:cNvSpPr txBox="1"/>
           <p:nvPr/>
@@ -4413,6 +4179,36 @@
           </a:p>
         </p:txBody>
       </p:sp>
+      <p:pic>
+        <p:nvPicPr>
+          <p:cNvPr id="8" name="Imagem 7">
+            <a:extLst>
+              <a:ext uri="{FF2B5EF4-FFF2-40B4-BE49-F238E27FC236}">
+                <a16:creationId xmlns:a16="http://schemas.microsoft.com/office/drawing/2014/main" id="{FB3E01F4-8DFA-056C-1769-46F858C8BA63}"/>
+              </a:ext>
+            </a:extLst>
+          </p:cNvPr>
+          <p:cNvPicPr>
+            <a:picLocks noChangeAspect="1"/>
+          </p:cNvPicPr>
+          <p:nvPr/>
+        </p:nvPicPr>
+        <p:blipFill>
+          <a:blip r:embed="rId2"/>
+          <a:stretch>
+            <a:fillRect/>
+          </a:stretch>
+        </p:blipFill>
+        <p:spPr>
+          <a:xfrm>
+            <a:off x="3707762" y="5110162"/>
+            <a:ext cx="10872476" cy="2576628"/>
+          </a:xfrm>
+          <a:prstGeom prst="rect">
+            <a:avLst/>
+          </a:prstGeom>
+        </p:spPr>
+      </p:pic>
     </p:spTree>
   </p:cSld>
   <p:clrMapOvr>
@@ -4701,59 +4497,6 @@
           </p:txBody>
         </p:sp>
       </p:grpSp>
-      <p:sp>
-        <p:nvSpPr>
-          <p:cNvPr id="4" name="Freeform 4"/>
-          <p:cNvSpPr/>
-          <p:nvPr/>
-        </p:nvSpPr>
-        <p:spPr>
-          <a:xfrm>
-            <a:off x="3768095" y="845216"/>
-            <a:ext cx="8246546" cy="8596569"/>
-          </a:xfrm>
-          <a:custGeom>
-            <a:avLst/>
-            <a:gdLst/>
-            <a:ahLst/>
-            <a:cxnLst/>
-            <a:rect l="l" t="t" r="r" b="b"/>
-            <a:pathLst>
-              <a:path w="8246546" h="8596569">
-                <a:moveTo>
-                  <a:pt x="0" y="0"/>
-                </a:moveTo>
-                <a:lnTo>
-                  <a:pt x="8246545" y="0"/>
-                </a:lnTo>
-                <a:lnTo>
-                  <a:pt x="8246545" y="8596568"/>
-                </a:lnTo>
-                <a:lnTo>
-                  <a:pt x="0" y="8596568"/>
-                </a:lnTo>
-                <a:lnTo>
-                  <a:pt x="0" y="0"/>
-                </a:lnTo>
-                <a:close/>
-              </a:path>
-            </a:pathLst>
-          </a:custGeom>
-          <a:blipFill>
-            <a:blip r:embed="rId2"/>
-            <a:stretch>
-              <a:fillRect/>
-            </a:stretch>
-          </a:blipFill>
-        </p:spPr>
-        <p:txBody>
-          <a:bodyPr/>
-          <a:lstStyle/>
-          <a:p>
-            <a:endParaRPr lang="pt-BR"/>
-          </a:p>
-        </p:txBody>
-      </p:sp>
       <p:grpSp>
         <p:nvGrpSpPr>
           <p:cNvPr id="5" name="Group 5"/>
@@ -4897,6 +4640,36 @@
           </p:txBody>
         </p:sp>
       </p:grpSp>
+      <p:pic>
+        <p:nvPicPr>
+          <p:cNvPr id="10" name="Imagem 9">
+            <a:extLst>
+              <a:ext uri="{FF2B5EF4-FFF2-40B4-BE49-F238E27FC236}">
+                <a16:creationId xmlns:a16="http://schemas.microsoft.com/office/drawing/2014/main" id="{E9C0CDDD-4DBF-F199-F76B-BD2C35EE72A6}"/>
+              </a:ext>
+            </a:extLst>
+          </p:cNvPr>
+          <p:cNvPicPr>
+            <a:picLocks noChangeAspect="1"/>
+          </p:cNvPicPr>
+          <p:nvPr/>
+        </p:nvPicPr>
+        <p:blipFill>
+          <a:blip r:embed="rId2"/>
+          <a:stretch>
+            <a:fillRect/>
+          </a:stretch>
+        </p:blipFill>
+        <p:spPr>
+          <a:xfrm>
+            <a:off x="2971800" y="1511597"/>
+            <a:ext cx="7467600" cy="7263805"/>
+          </a:xfrm>
+          <a:prstGeom prst="rect">
+            <a:avLst/>
+          </a:prstGeom>
+        </p:spPr>
+      </p:pic>
     </p:spTree>
   </p:cSld>
   <p:clrMapOvr>
@@ -7472,59 +7245,6 @@
       </p:grpSp>
       <p:sp>
         <p:nvSpPr>
-          <p:cNvPr id="4" name="Freeform 4"/>
-          <p:cNvSpPr/>
-          <p:nvPr/>
-        </p:nvSpPr>
-        <p:spPr>
-          <a:xfrm>
-            <a:off x="3983398" y="2305452"/>
-            <a:ext cx="10321204" cy="6786545"/>
-          </a:xfrm>
-          <a:custGeom>
-            <a:avLst/>
-            <a:gdLst/>
-            <a:ahLst/>
-            <a:cxnLst/>
-            <a:rect l="l" t="t" r="r" b="b"/>
-            <a:pathLst>
-              <a:path w="10321204" h="6786545">
-                <a:moveTo>
-                  <a:pt x="0" y="0"/>
-                </a:moveTo>
-                <a:lnTo>
-                  <a:pt x="10321204" y="0"/>
-                </a:lnTo>
-                <a:lnTo>
-                  <a:pt x="10321204" y="6786545"/>
-                </a:lnTo>
-                <a:lnTo>
-                  <a:pt x="0" y="6786545"/>
-                </a:lnTo>
-                <a:lnTo>
-                  <a:pt x="0" y="0"/>
-                </a:lnTo>
-                <a:close/>
-              </a:path>
-            </a:pathLst>
-          </a:custGeom>
-          <a:blipFill>
-            <a:blip r:embed="rId2"/>
-            <a:stretch>
-              <a:fillRect/>
-            </a:stretch>
-          </a:blipFill>
-        </p:spPr>
-        <p:txBody>
-          <a:bodyPr/>
-          <a:lstStyle/>
-          <a:p>
-            <a:endParaRPr lang="pt-BR"/>
-          </a:p>
-        </p:txBody>
-      </p:sp>
-      <p:sp>
-        <p:nvSpPr>
           <p:cNvPr id="5" name="TextBox 5"/>
           <p:cNvSpPr txBox="1"/>
           <p:nvPr/>
@@ -7561,6 +7281,36 @@
           </a:p>
         </p:txBody>
       </p:sp>
+      <p:pic>
+        <p:nvPicPr>
+          <p:cNvPr id="7" name="Imagem 6">
+            <a:extLst>
+              <a:ext uri="{FF2B5EF4-FFF2-40B4-BE49-F238E27FC236}">
+                <a16:creationId xmlns:a16="http://schemas.microsoft.com/office/drawing/2014/main" id="{55FEA146-0027-3F8E-E952-B3D816FA147C}"/>
+              </a:ext>
+            </a:extLst>
+          </p:cNvPr>
+          <p:cNvPicPr>
+            <a:picLocks noChangeAspect="1"/>
+          </p:cNvPicPr>
+          <p:nvPr/>
+        </p:nvPicPr>
+        <p:blipFill>
+          <a:blip r:embed="rId2"/>
+          <a:stretch>
+            <a:fillRect/>
+          </a:stretch>
+        </p:blipFill>
+        <p:spPr>
+          <a:xfrm>
+            <a:off x="3453286" y="3009900"/>
+            <a:ext cx="11381427" cy="5053229"/>
+          </a:xfrm>
+          <a:prstGeom prst="rect">
+            <a:avLst/>
+          </a:prstGeom>
+        </p:spPr>
+      </p:pic>
     </p:spTree>
   </p:cSld>
   <p:clrMapOvr>
@@ -7923,59 +7673,6 @@
       </p:grpSp>
       <p:sp>
         <p:nvSpPr>
-          <p:cNvPr id="4" name="Freeform 4"/>
-          <p:cNvSpPr/>
-          <p:nvPr/>
-        </p:nvSpPr>
-        <p:spPr>
-          <a:xfrm>
-            <a:off x="3894791" y="2121630"/>
-            <a:ext cx="10498418" cy="7136670"/>
-          </a:xfrm>
-          <a:custGeom>
-            <a:avLst/>
-            <a:gdLst/>
-            <a:ahLst/>
-            <a:cxnLst/>
-            <a:rect l="l" t="t" r="r" b="b"/>
-            <a:pathLst>
-              <a:path w="10498418" h="7136670">
-                <a:moveTo>
-                  <a:pt x="0" y="0"/>
-                </a:moveTo>
-                <a:lnTo>
-                  <a:pt x="10498418" y="0"/>
-                </a:lnTo>
-                <a:lnTo>
-                  <a:pt x="10498418" y="7136670"/>
-                </a:lnTo>
-                <a:lnTo>
-                  <a:pt x="0" y="7136670"/>
-                </a:lnTo>
-                <a:lnTo>
-                  <a:pt x="0" y="0"/>
-                </a:lnTo>
-                <a:close/>
-              </a:path>
-            </a:pathLst>
-          </a:custGeom>
-          <a:blipFill>
-            <a:blip r:embed="rId2"/>
-            <a:stretch>
-              <a:fillRect/>
-            </a:stretch>
-          </a:blipFill>
-        </p:spPr>
-        <p:txBody>
-          <a:bodyPr/>
-          <a:lstStyle/>
-          <a:p>
-            <a:endParaRPr lang="pt-BR"/>
-          </a:p>
-        </p:txBody>
-      </p:sp>
-      <p:sp>
-        <p:nvSpPr>
           <p:cNvPr id="5" name="TextBox 5"/>
           <p:cNvSpPr txBox="1"/>
           <p:nvPr/>
@@ -8012,6 +7709,36 @@
           </a:p>
         </p:txBody>
       </p:sp>
+      <p:pic>
+        <p:nvPicPr>
+          <p:cNvPr id="7" name="Imagem 6">
+            <a:extLst>
+              <a:ext uri="{FF2B5EF4-FFF2-40B4-BE49-F238E27FC236}">
+                <a16:creationId xmlns:a16="http://schemas.microsoft.com/office/drawing/2014/main" id="{2CE69BFB-18A6-84C9-419A-BD4151F9EB50}"/>
+              </a:ext>
+            </a:extLst>
+          </p:cNvPr>
+          <p:cNvPicPr>
+            <a:picLocks noChangeAspect="1"/>
+          </p:cNvPicPr>
+          <p:nvPr/>
+        </p:nvPicPr>
+        <p:blipFill>
+          <a:blip r:embed="rId2"/>
+          <a:stretch>
+            <a:fillRect/>
+          </a:stretch>
+        </p:blipFill>
+        <p:spPr>
+          <a:xfrm>
+            <a:off x="3238500" y="5143500"/>
+            <a:ext cx="11811000" cy="2355117"/>
+          </a:xfrm>
+          <a:prstGeom prst="rect">
+            <a:avLst/>
+          </a:prstGeom>
+        </p:spPr>
+      </p:pic>
     </p:spTree>
   </p:cSld>
   <p:clrMapOvr>
